--- a/Modules/05_PBIVIZ/Slides.pptx
+++ b/Modules/05_PBIVIZ/Slides.pptx
@@ -336,6 +336,94 @@
   <p:clrMap bg1="lt1" tx1="dk1" bg2="lt2" tx2="dk2" accent1="accent1" accent2="accent2" accent3="accent3" accent4="accent4" accent5="accent5" accent6="accent6" hlink="hlink" folHlink="folHlink"/>
   <p:hf/>
 </p:handoutMaster>
+</file>
+
+<file path=ppt/ink/ink1.xml><?xml version="1.0" encoding="utf-8"?>
+<inkml:ink xmlns:inkml="http://www.w3.org/2003/InkML">
+  <inkml:definitions>
+    <inkml:context xml:id="ctx0">
+      <inkml:inkSource xml:id="inkSrc0">
+        <inkml:traceFormat>
+          <inkml:channel name="X" type="integer" max="1440" units="cm"/>
+          <inkml:channel name="Y" type="integer" max="900" units="cm"/>
+          <inkml:channel name="T" type="integer" max="2.14748E9" units="dev"/>
+        </inkml:traceFormat>
+        <inkml:channelProperties>
+          <inkml:channelProperty channel="X" name="resolution" value="26.7658" units="1/cm"/>
+          <inkml:channelProperty channel="Y" name="resolution" value="26.78572" units="1/cm"/>
+          <inkml:channelProperty channel="T" name="resolution" value="1" units="1/dev"/>
+        </inkml:channelProperties>
+      </inkml:inkSource>
+      <inkml:timestamp xml:id="ts0" timeString="2017-02-28T19:30:21.426"/>
+    </inkml:context>
+    <inkml:brush xml:id="br0">
+      <inkml:brushProperty name="width" value="0.05292" units="cm"/>
+      <inkml:brushProperty name="height" value="0.05292" units="cm"/>
+      <inkml:brushProperty name="color" value="#FF0000"/>
+    </inkml:brush>
+  </inkml:definitions>
+  <inkml:trace contextRef="#ctx0" brushRef="#br0">7514 9377 0,'-21'0'62,"-21"21"-15,-85 43-31,0-1-1,84-42 1,-20 0 0,21 22-1,20-22 1,1 0-1,-63 43 1,-1-1 0,64-42-1,0-21 1,21 21 62,0 1 0,0-1-62,0 21-1,0-21 1,21 22 15,-21-22-31,21 0 16,0 21 0,-21-21-1,21 22 1,0-1-1,1-21 1,-1 0 0,42 43-1,-63-22 1,64 1 0,-1 62-1,22-20 1,-22-43-1,22 64 1,-64-85 0,0 1-1,22-1 17,20-21-32,22 42 15,0-21 1,-1 0 15,-63-21-15,1 0-1,20 0 1,-21 0 0,21 0-16,43 0 15,63-42 1,-21 21-1,-63-21 1,-22 42 0,0-43 15,-20 22-31,-1 0 31,0-21-31,42-1 16,1-41-1,-22 20 1,-21-21 0,22-20-1,-22 20 1,0 21 0,-21 43-1,0-21 1,0 0-1,-21-64 1,-21 63 0,-1-41-1,1-22 1,-43-42 0,43 63-1,-43-21 1,-21 22-1,22-1 1,-43 43 0,21-1-1,21 43 1,22-21 0,-1 21-1,-20 0 1,-1 0-1,21 0 1,22 0 0,-43 0-1,1 42 1,-1-42 0,22 22-1,-22 20 1,-21-21-1,21 0 1,-20 22 0,62-43-1,22 0 1,21 21 15,-21-21 79</inkml:trace>
+</inkml:ink>
+</file>
+
+<file path=ppt/ink/ink2.xml><?xml version="1.0" encoding="utf-8"?>
+<inkml:ink xmlns:inkml="http://www.w3.org/2003/InkML">
+  <inkml:definitions>
+    <inkml:context xml:id="ctx0">
+      <inkml:inkSource xml:id="inkSrc0">
+        <inkml:traceFormat>
+          <inkml:channel name="X" type="integer" max="1440" units="cm"/>
+          <inkml:channel name="Y" type="integer" max="900" units="cm"/>
+          <inkml:channel name="T" type="integer" max="2.14748E9" units="dev"/>
+        </inkml:traceFormat>
+        <inkml:channelProperties>
+          <inkml:channelProperty channel="X" name="resolution" value="26.7658" units="1/cm"/>
+          <inkml:channelProperty channel="Y" name="resolution" value="26.78572" units="1/cm"/>
+          <inkml:channelProperty channel="T" name="resolution" value="1" units="1/dev"/>
+        </inkml:channelProperties>
+      </inkml:inkSource>
+      <inkml:timestamp xml:id="ts0" timeString="2017-02-28T19:30:55.855"/>
+    </inkml:context>
+    <inkml:brush xml:id="br0">
+      <inkml:brushProperty name="width" value="0.05292" units="cm"/>
+      <inkml:brushProperty name="height" value="0.05292" units="cm"/>
+      <inkml:brushProperty name="color" value="#FF0000"/>
+    </inkml:brush>
+  </inkml:definitions>
+  <inkml:trace contextRef="#ctx0" brushRef="#br0">2498 5080 0,'0'21'32,"42"-21"-17,64 21 1,42 22 0,-63-22-1,-22-21 1,22 42-1,0-42 1,-43 0 0,21 21-1,-20-21 17,-1 0-1,-21 0-16,43 0 1,20-42 0,22 21-1,-63 0 1,-1 0 0,21-1-1,-20 1 1,84 0-1,-43 0 1,22-21 0,-63 20-1,41 22 1,22-21 0,0-21-1,21 42 1,0-21-1,42 0 1,-63 21 0,0-22-1,-21 22 1,-1 0 0,22 0-1,-21 22 1,21-1-1,126 42 1,-62-63 15,-64 21-31,-22 1 16,-41-1 0,105-21-1,-21 21 1,-43-21-1,170 21 1,-127 0 0,-21-21-1,-21 21 1,0-21 0,-22 0-1,-21 0 1,43 0-1,21 0 1,84-21 0,22-21-1,21 0 1,-85-1 0,-21 22-1,-85 21 1,-20 0-1,-1 0 32,0 0-31,0 0 0,0 0-1,43 0 1,-43 0-1,0 0 1,21 0 15</inkml:trace>
+  <inkml:trace contextRef="#ctx0" brushRef="#br0" timeOffset="2958.1914">1672 5313 0,'21'0'93,"-21"-21"-61,43 0-32,-22-1 15,42 1 1,-20-21 15,-1 21-31,0 0 16,-20-1-1</inkml:trace>
+  <inkml:trace contextRef="#ctx0" brushRef="#br0" timeOffset="4021.5868">1630 7599 0,'0'0'0,"21"-64"15,21 1-15,22-22 16,-1 1 0,1 20-1,-1 22 1,-41-1 0,-1 22 15,-42 42 31</inkml:trace>
+  <inkml:trace contextRef="#ctx0" brushRef="#br0" timeOffset="4699.15">1588 8488 0,'21'-21'0,"0"0"16,21-1-1,-21 1 1,1 0-1,20 0 1,-42-21 31,21 42-47,-21-22 31</inkml:trace>
+  <inkml:trace contextRef="#ctx0" brushRef="#br0" timeOffset="5637.2383">2540 9123 0,'21'0'32,"0"0"-32,1 0 15,-1 0 1,21 0 0,0-42-1,64 42 1,0 0-1,-42 21 1,-64 0 0</inkml:trace>
+</inkml:ink>
+</file>
+
+<file path=ppt/ink/ink3.xml><?xml version="1.0" encoding="utf-8"?>
+<inkml:ink xmlns:inkml="http://www.w3.org/2003/InkML">
+  <inkml:definitions>
+    <inkml:context xml:id="ctx0">
+      <inkml:inkSource xml:id="inkSrc0">
+        <inkml:traceFormat>
+          <inkml:channel name="X" type="integer" max="1440" units="cm"/>
+          <inkml:channel name="Y" type="integer" max="900" units="cm"/>
+          <inkml:channel name="T" type="integer" max="2.14748E9" units="dev"/>
+        </inkml:traceFormat>
+        <inkml:channelProperties>
+          <inkml:channelProperty channel="X" name="resolution" value="26.7658" units="1/cm"/>
+          <inkml:channelProperty channel="Y" name="resolution" value="26.78572" units="1/cm"/>
+          <inkml:channelProperty channel="T" name="resolution" value="1" units="1/dev"/>
+        </inkml:channelProperties>
+      </inkml:inkSource>
+      <inkml:timestamp xml:id="ts0" timeString="2017-02-28T20:25:18.075"/>
+    </inkml:context>
+    <inkml:brush xml:id="br0">
+      <inkml:brushProperty name="width" value="0.05292" units="cm"/>
+      <inkml:brushProperty name="height" value="0.05292" units="cm"/>
+      <inkml:brushProperty name="color" value="#FF0000"/>
+    </inkml:brush>
+  </inkml:definitions>
+  <inkml:trace contextRef="#ctx0" brushRef="#br0">7768 7154 0</inkml:trace>
+</inkml:ink>
 </file>
 
 <file path=ppt/notesMasters/notesMaster1.xml><?xml version="1.0" encoding="utf-8"?>
@@ -5360,6 +5448,45 @@
           </a:prstGeom>
         </p:spPr>
       </p:pic>
+      <mc:AlternateContent xmlns:mc="http://schemas.openxmlformats.org/markup-compatibility/2006">
+        <mc:Choice xmlns:p14="http://schemas.microsoft.com/office/powerpoint/2010/main" Requires="p14">
+          <p:contentPart p14:bwMode="auto" r:id="rId3">
+            <p14:nvContentPartPr>
+              <p14:cNvPr id="4" name="Ink 3"/>
+              <p14:cNvContentPartPr/>
+              <p14:nvPr/>
+            </p14:nvContentPartPr>
+            <p14:xfrm>
+              <a:off x="2415600" y="3246120"/>
+              <a:ext cx="739440" cy="655560"/>
+            </p14:xfrm>
+          </p:contentPart>
+        </mc:Choice>
+        <mc:Fallback>
+          <p:pic>
+            <p:nvPicPr>
+              <p:cNvPr id="4" name="Ink 3"/>
+              <p:cNvPicPr/>
+              <p:nvPr/>
+            </p:nvPicPr>
+            <p:blipFill>
+              <a:blip r:embed="rId4"/>
+              <a:stretch>
+                <a:fillRect/>
+              </a:stretch>
+            </p:blipFill>
+            <p:spPr>
+              <a:xfrm>
+                <a:off x="2406240" y="3236760"/>
+                <a:ext cx="758160" cy="674280"/>
+              </a:xfrm>
+              <a:prstGeom prst="rect">
+                <a:avLst/>
+              </a:prstGeom>
+            </p:spPr>
+          </p:pic>
+        </mc:Fallback>
+      </mc:AlternateContent>
     </p:spTree>
     <p:extLst>
       <p:ext uri="{BB962C8B-B14F-4D97-AF65-F5344CB8AC3E}">
@@ -5448,6 +5575,45 @@
           </a:extLst>
         </p:spPr>
       </p:pic>
+      <mc:AlternateContent xmlns:mc="http://schemas.openxmlformats.org/markup-compatibility/2006">
+        <mc:Choice xmlns:p14="http://schemas.microsoft.com/office/powerpoint/2010/main" Requires="p14">
+          <p:contentPart p14:bwMode="auto" r:id="rId3">
+            <p14:nvContentPartPr>
+              <p14:cNvPr id="4" name="Ink 3"/>
+              <p14:cNvContentPartPr/>
+              <p14:nvPr/>
+            </p14:nvContentPartPr>
+            <p14:xfrm>
+              <a:off x="571680" y="1752480"/>
+              <a:ext cx="2552760" cy="1532160"/>
+            </p14:xfrm>
+          </p:contentPart>
+        </mc:Choice>
+        <mc:Fallback>
+          <p:pic>
+            <p:nvPicPr>
+              <p:cNvPr id="4" name="Ink 3"/>
+              <p:cNvPicPr/>
+              <p:nvPr/>
+            </p:nvPicPr>
+            <p:blipFill>
+              <a:blip r:embed="rId4"/>
+              <a:stretch>
+                <a:fillRect/>
+              </a:stretch>
+            </p:blipFill>
+            <p:spPr>
+              <a:xfrm>
+                <a:off x="562320" y="1743120"/>
+                <a:ext cx="2571480" cy="1550880"/>
+              </a:xfrm>
+              <a:prstGeom prst="rect">
+                <a:avLst/>
+              </a:prstGeom>
+            </p:spPr>
+          </p:pic>
+        </mc:Fallback>
+      </mc:AlternateContent>
     </p:spTree>
     <p:extLst>
       <p:ext uri="{BB962C8B-B14F-4D97-AF65-F5344CB8AC3E}">
@@ -5554,6 +5720,45 @@
           </a:extLst>
         </p:spPr>
       </p:pic>
+      <mc:AlternateContent xmlns:mc="http://schemas.openxmlformats.org/markup-compatibility/2006">
+        <mc:Choice xmlns:p14="http://schemas.microsoft.com/office/powerpoint/2010/main" Requires="p14">
+          <p:contentPart p14:bwMode="auto" r:id="rId3">
+            <p14:nvContentPartPr>
+              <p14:cNvPr id="2" name="Ink 1"/>
+              <p14:cNvContentPartPr/>
+              <p14:nvPr/>
+            </p14:nvContentPartPr>
+            <p14:xfrm>
+              <a:off x="2796480" y="2575440"/>
+              <a:ext cx="360" cy="360"/>
+            </p14:xfrm>
+          </p:contentPart>
+        </mc:Choice>
+        <mc:Fallback>
+          <p:pic>
+            <p:nvPicPr>
+              <p:cNvPr id="2" name="Ink 1"/>
+              <p:cNvPicPr/>
+              <p:nvPr/>
+            </p:nvPicPr>
+            <p:blipFill>
+              <a:blip r:embed="rId4"/>
+              <a:stretch>
+                <a:fillRect/>
+              </a:stretch>
+            </p:blipFill>
+            <p:spPr>
+              <a:xfrm>
+                <a:off x="2787120" y="2566080"/>
+                <a:ext cx="19080" cy="19080"/>
+              </a:xfrm>
+              <a:prstGeom prst="rect">
+                <a:avLst/>
+              </a:prstGeom>
+            </p:spPr>
+          </p:pic>
+        </mc:Fallback>
+      </mc:AlternateContent>
     </p:spTree>
     <p:extLst>
       <p:ext uri="{BB962C8B-B14F-4D97-AF65-F5344CB8AC3E}">
@@ -6854,6 +7059,21 @@
 </file>
 
 <file path=customXml/item1.xml><?xml version="1.0" encoding="utf-8"?>
+<p:properties xmlns:p="http://schemas.microsoft.com/office/2006/metadata/properties" xmlns:xsi="http://www.w3.org/2001/XMLSchema-instance">
+  <documentManagement/>
+</p:properties>
+</file>
+
+<file path=customXml/item2.xml><?xml version="1.0" encoding="utf-8"?>
+<?mso-contentType ?>
+<FormTemplates xmlns="http://schemas.microsoft.com/sharepoint/v3/contenttype/forms">
+  <Display>DocumentLibraryForm</Display>
+  <Edit>DocumentLibraryForm</Edit>
+  <New>DocumentLibraryForm</New>
+</FormTemplates>
+</file>
+
+<file path=customXml/item3.xml><?xml version="1.0" encoding="utf-8"?>
 <ct:contentTypeSchema xmlns:ct="http://schemas.microsoft.com/office/2006/metadata/contentType" xmlns:ma="http://schemas.microsoft.com/office/2006/metadata/properties/metaAttributes" ct:_="" ma:_="" ma:contentTypeName="Document" ma:contentTypeID="0x01010043F7775CCE86F349BB7C51FB3CE6B150" ma:contentTypeVersion="0" ma:contentTypeDescription="Create a new document." ma:contentTypeScope="" ma:versionID="bb563817a2861b6b5994bd26a2ba9e40">
   <xsd:schema xmlns:xsd="http://www.w3.org/2001/XMLSchema" xmlns:xs="http://www.w3.org/2001/XMLSchema" xmlns:p="http://schemas.microsoft.com/office/2006/metadata/properties" targetNamespace="http://schemas.microsoft.com/office/2006/metadata/properties" ma:root="true" ma:fieldsID="c64490b4aec6201516c3a874156f37b2">
     <xsd:element name="properties">
@@ -6965,21 +7185,6 @@
     <xs:element name="TermId" type="xs:string"/>
   </xs:schema>
 </ct:contentTypeSchema>
-</file>
-
-<file path=customXml/item2.xml><?xml version="1.0" encoding="utf-8"?>
-<?mso-contentType ?>
-<FormTemplates xmlns="http://schemas.microsoft.com/sharepoint/v3/contenttype/forms">
-  <Display>DocumentLibraryForm</Display>
-  <Edit>DocumentLibraryForm</Edit>
-  <New>DocumentLibraryForm</New>
-</FormTemplates>
-</file>
-
-<file path=customXml/item3.xml><?xml version="1.0" encoding="utf-8"?>
-<p:properties xmlns:p="http://schemas.microsoft.com/office/2006/metadata/properties" xmlns:xsi="http://www.w3.org/2001/XMLSchema-instance">
-  <documentManagement/>
-</p:properties>
 </file>
 
 <file path=customXml/item4.xml><?xml version="1.0" encoding="utf-8"?>
@@ -7133,6 +7338,29 @@
 </file>
 
 <file path=customXml/itemProps1.xml><?xml version="1.0" encoding="utf-8"?>
+<ds:datastoreItem xmlns:ds="http://schemas.openxmlformats.org/officeDocument/2006/customXml" ds:itemID="{A5547237-B119-45CA-BEFC-A2DA2BDB03E7}">
+  <ds:schemaRefs>
+    <ds:schemaRef ds:uri="http://purl.org/dc/terms/"/>
+    <ds:schemaRef ds:uri="http://purl.org/dc/elements/1.1/"/>
+    <ds:schemaRef ds:uri="http://schemas.microsoft.com/office/infopath/2007/PartnerControls"/>
+    <ds:schemaRef ds:uri="http://schemas.microsoft.com/office/2006/documentManagement/types"/>
+    <ds:schemaRef ds:uri="http://schemas.microsoft.com/office/2006/metadata/properties"/>
+    <ds:schemaRef ds:uri="http://www.w3.org/XML/1998/namespace"/>
+    <ds:schemaRef ds:uri="http://schemas.openxmlformats.org/package/2006/metadata/core-properties"/>
+    <ds:schemaRef ds:uri="http://purl.org/dc/dcmitype/"/>
+  </ds:schemaRefs>
+</ds:datastoreItem>
+</file>
+
+<file path=customXml/itemProps2.xml><?xml version="1.0" encoding="utf-8"?>
+<ds:datastoreItem xmlns:ds="http://schemas.openxmlformats.org/officeDocument/2006/customXml" ds:itemID="{6034B84F-8F8E-48B7-9EFF-C7DE1A66BD73}">
+  <ds:schemaRefs>
+    <ds:schemaRef ds:uri="http://schemas.microsoft.com/sharepoint/v3/contenttype/forms"/>
+  </ds:schemaRefs>
+</ds:datastoreItem>
+</file>
+
+<file path=customXml/itemProps3.xml><?xml version="1.0" encoding="utf-8"?>
 <ds:datastoreItem xmlns:ds="http://schemas.openxmlformats.org/officeDocument/2006/customXml" ds:itemID="{63F8C001-70B3-4AE4-BEC2-202AE4E30C7A}">
   <ds:schemaRefs>
     <ds:schemaRef ds:uri="http://schemas.microsoft.com/office/2006/metadata/contentType"/>
@@ -7148,29 +7376,6 @@
 </ds:datastoreItem>
 </file>
 
-<file path=customXml/itemProps2.xml><?xml version="1.0" encoding="utf-8"?>
-<ds:datastoreItem xmlns:ds="http://schemas.openxmlformats.org/officeDocument/2006/customXml" ds:itemID="{6034B84F-8F8E-48B7-9EFF-C7DE1A66BD73}">
-  <ds:schemaRefs>
-    <ds:schemaRef ds:uri="http://schemas.microsoft.com/sharepoint/v3/contenttype/forms"/>
-  </ds:schemaRefs>
-</ds:datastoreItem>
-</file>
-
-<file path=customXml/itemProps3.xml><?xml version="1.0" encoding="utf-8"?>
-<ds:datastoreItem xmlns:ds="http://schemas.openxmlformats.org/officeDocument/2006/customXml" ds:itemID="{A5547237-B119-45CA-BEFC-A2DA2BDB03E7}">
-  <ds:schemaRefs>
-    <ds:schemaRef ds:uri="http://schemas.microsoft.com/office/infopath/2007/PartnerControls"/>
-    <ds:schemaRef ds:uri="http://purl.org/dc/terms/"/>
-    <ds:schemaRef ds:uri="http://schemas.microsoft.com/office/2006/documentManagement/types"/>
-    <ds:schemaRef ds:uri="http://purl.org/dc/elements/1.1/"/>
-    <ds:schemaRef ds:uri="http://purl.org/dc/dcmitype/"/>
-    <ds:schemaRef ds:uri="http://schemas.microsoft.com/office/2006/metadata/properties"/>
-    <ds:schemaRef ds:uri="http://schemas.openxmlformats.org/package/2006/metadata/core-properties"/>
-    <ds:schemaRef ds:uri="http://www.w3.org/XML/1998/namespace"/>
-  </ds:schemaRefs>
-</ds:datastoreItem>
-</file>
-
 <file path=customXml/itemProps4.xml><?xml version="1.0" encoding="utf-8"?>
 <ds:datastoreItem xmlns:ds="http://schemas.openxmlformats.org/officeDocument/2006/customXml" ds:itemID="{8865FC99-B6BD-4E98-8312-F4F432C217EA}">
   <ds:schemaRefs>

--- a/Modules/05_PBIVIZ/Slides.pptx
+++ b/Modules/05_PBIVIZ/Slides.pptx
@@ -336,94 +336,6 @@
   <p:clrMap bg1="lt1" tx1="dk1" bg2="lt2" tx2="dk2" accent1="accent1" accent2="accent2" accent3="accent3" accent4="accent4" accent5="accent5" accent6="accent6" hlink="hlink" folHlink="folHlink"/>
   <p:hf/>
 </p:handoutMaster>
-</file>
-
-<file path=ppt/ink/ink1.xml><?xml version="1.0" encoding="utf-8"?>
-<inkml:ink xmlns:inkml="http://www.w3.org/2003/InkML">
-  <inkml:definitions>
-    <inkml:context xml:id="ctx0">
-      <inkml:inkSource xml:id="inkSrc0">
-        <inkml:traceFormat>
-          <inkml:channel name="X" type="integer" max="1440" units="cm"/>
-          <inkml:channel name="Y" type="integer" max="900" units="cm"/>
-          <inkml:channel name="T" type="integer" max="2.14748E9" units="dev"/>
-        </inkml:traceFormat>
-        <inkml:channelProperties>
-          <inkml:channelProperty channel="X" name="resolution" value="26.7658" units="1/cm"/>
-          <inkml:channelProperty channel="Y" name="resolution" value="26.78572" units="1/cm"/>
-          <inkml:channelProperty channel="T" name="resolution" value="1" units="1/dev"/>
-        </inkml:channelProperties>
-      </inkml:inkSource>
-      <inkml:timestamp xml:id="ts0" timeString="2017-02-28T19:30:21.426"/>
-    </inkml:context>
-    <inkml:brush xml:id="br0">
-      <inkml:brushProperty name="width" value="0.05292" units="cm"/>
-      <inkml:brushProperty name="height" value="0.05292" units="cm"/>
-      <inkml:brushProperty name="color" value="#FF0000"/>
-    </inkml:brush>
-  </inkml:definitions>
-  <inkml:trace contextRef="#ctx0" brushRef="#br0">7514 9377 0,'-21'0'62,"-21"21"-15,-85 43-31,0-1-1,84-42 1,-20 0 0,21 22-1,20-22 1,1 0-1,-63 43 1,-1-1 0,64-42-1,0-21 1,21 21 62,0 1 0,0-1-62,0 21-1,0-21 1,21 22 15,-21-22-31,21 0 16,0 21 0,-21-21-1,21 22 1,0-1-1,1-21 1,-1 0 0,42 43-1,-63-22 1,64 1 0,-1 62-1,22-20 1,-22-43-1,22 64 1,-64-85 0,0 1-1,22-1 17,20-21-32,22 42 15,0-21 1,-1 0 15,-63-21-15,1 0-1,20 0 1,-21 0 0,21 0-16,43 0 15,63-42 1,-21 21-1,-63-21 1,-22 42 0,0-43 15,-20 22-31,-1 0 31,0-21-31,42-1 16,1-41-1,-22 20 1,-21-21 0,22-20-1,-22 20 1,0 21 0,-21 43-1,0-21 1,0 0-1,-21-64 1,-21 63 0,-1-41-1,1-22 1,-43-42 0,43 63-1,-43-21 1,-21 22-1,22-1 1,-43 43 0,21-1-1,21 43 1,22-21 0,-1 21-1,-20 0 1,-1 0-1,21 0 1,22 0 0,-43 0-1,1 42 1,-1-42 0,22 22-1,-22 20 1,-21-21-1,21 0 1,-20 22 0,62-43-1,22 0 1,21 21 15,-21-21 79</inkml:trace>
-</inkml:ink>
-</file>
-
-<file path=ppt/ink/ink2.xml><?xml version="1.0" encoding="utf-8"?>
-<inkml:ink xmlns:inkml="http://www.w3.org/2003/InkML">
-  <inkml:definitions>
-    <inkml:context xml:id="ctx0">
-      <inkml:inkSource xml:id="inkSrc0">
-        <inkml:traceFormat>
-          <inkml:channel name="X" type="integer" max="1440" units="cm"/>
-          <inkml:channel name="Y" type="integer" max="900" units="cm"/>
-          <inkml:channel name="T" type="integer" max="2.14748E9" units="dev"/>
-        </inkml:traceFormat>
-        <inkml:channelProperties>
-          <inkml:channelProperty channel="X" name="resolution" value="26.7658" units="1/cm"/>
-          <inkml:channelProperty channel="Y" name="resolution" value="26.78572" units="1/cm"/>
-          <inkml:channelProperty channel="T" name="resolution" value="1" units="1/dev"/>
-        </inkml:channelProperties>
-      </inkml:inkSource>
-      <inkml:timestamp xml:id="ts0" timeString="2017-02-28T19:30:55.855"/>
-    </inkml:context>
-    <inkml:brush xml:id="br0">
-      <inkml:brushProperty name="width" value="0.05292" units="cm"/>
-      <inkml:brushProperty name="height" value="0.05292" units="cm"/>
-      <inkml:brushProperty name="color" value="#FF0000"/>
-    </inkml:brush>
-  </inkml:definitions>
-  <inkml:trace contextRef="#ctx0" brushRef="#br0">2498 5080 0,'0'21'32,"42"-21"-17,64 21 1,42 22 0,-63-22-1,-22-21 1,22 42-1,0-42 1,-43 0 0,21 21-1,-20-21 17,-1 0-1,-21 0-16,43 0 1,20-42 0,22 21-1,-63 0 1,-1 0 0,21-1-1,-20 1 1,84 0-1,-43 0 1,22-21 0,-63 20-1,41 22 1,22-21 0,0-21-1,21 42 1,0-21-1,42 0 1,-63 21 0,0-22-1,-21 22 1,-1 0 0,22 0-1,-21 22 1,21-1-1,126 42 1,-62-63 15,-64 21-31,-22 1 16,-41-1 0,105-21-1,-21 21 1,-43-21-1,170 21 1,-127 0 0,-21-21-1,-21 21 1,0-21 0,-22 0-1,-21 0 1,43 0-1,21 0 1,84-21 0,22-21-1,21 0 1,-85-1 0,-21 22-1,-85 21 1,-20 0-1,-1 0 32,0 0-31,0 0 0,0 0-1,43 0 1,-43 0-1,0 0 1,21 0 15</inkml:trace>
-  <inkml:trace contextRef="#ctx0" brushRef="#br0" timeOffset="2958.1914">1672 5313 0,'21'0'93,"-21"-21"-61,43 0-32,-22-1 15,42 1 1,-20-21 15,-1 21-31,0 0 16,-20-1-1</inkml:trace>
-  <inkml:trace contextRef="#ctx0" brushRef="#br0" timeOffset="4021.5868">1630 7599 0,'0'0'0,"21"-64"15,21 1-15,22-22 16,-1 1 0,1 20-1,-1 22 1,-41-1 0,-1 22 15,-42 42 31</inkml:trace>
-  <inkml:trace contextRef="#ctx0" brushRef="#br0" timeOffset="4699.15">1588 8488 0,'21'-21'0,"0"0"16,21-1-1,-21 1 1,1 0-1,20 0 1,-42-21 31,21 42-47,-21-22 31</inkml:trace>
-  <inkml:trace contextRef="#ctx0" brushRef="#br0" timeOffset="5637.2383">2540 9123 0,'21'0'32,"0"0"-32,1 0 15,-1 0 1,21 0 0,0-42-1,64 42 1,0 0-1,-42 21 1,-64 0 0</inkml:trace>
-</inkml:ink>
-</file>
-
-<file path=ppt/ink/ink3.xml><?xml version="1.0" encoding="utf-8"?>
-<inkml:ink xmlns:inkml="http://www.w3.org/2003/InkML">
-  <inkml:definitions>
-    <inkml:context xml:id="ctx0">
-      <inkml:inkSource xml:id="inkSrc0">
-        <inkml:traceFormat>
-          <inkml:channel name="X" type="integer" max="1440" units="cm"/>
-          <inkml:channel name="Y" type="integer" max="900" units="cm"/>
-          <inkml:channel name="T" type="integer" max="2.14748E9" units="dev"/>
-        </inkml:traceFormat>
-        <inkml:channelProperties>
-          <inkml:channelProperty channel="X" name="resolution" value="26.7658" units="1/cm"/>
-          <inkml:channelProperty channel="Y" name="resolution" value="26.78572" units="1/cm"/>
-          <inkml:channelProperty channel="T" name="resolution" value="1" units="1/dev"/>
-        </inkml:channelProperties>
-      </inkml:inkSource>
-      <inkml:timestamp xml:id="ts0" timeString="2017-02-28T20:25:18.075"/>
-    </inkml:context>
-    <inkml:brush xml:id="br0">
-      <inkml:brushProperty name="width" value="0.05292" units="cm"/>
-      <inkml:brushProperty name="height" value="0.05292" units="cm"/>
-      <inkml:brushProperty name="color" value="#FF0000"/>
-    </inkml:brush>
-  </inkml:definitions>
-  <inkml:trace contextRef="#ctx0" brushRef="#br0">7768 7154 0</inkml:trace>
-</inkml:ink>
 </file>
 
 <file path=ppt/notesMasters/notesMaster1.xml><?xml version="1.0" encoding="utf-8"?>
@@ -3584,13 +3496,8 @@
           <a:p>
             <a:r>
               <a:rPr lang="en-US" dirty="0"/>
-              <a:t>Installing Typings for D3 using </a:t>
-            </a:r>
-            <a:r>
-              <a:rPr lang="en-US" dirty="0" err="1"/>
-              <a:t>npm</a:t>
-            </a:r>
-            <a:endParaRPr lang="en-US" dirty="0"/>
+              <a:t>Installing Typed Definitions for D3</a:t>
+            </a:r>
           </a:p>
         </p:txBody>
       </p:sp>
@@ -3613,7 +3520,80 @@
           <a:p>
             <a:r>
               <a:rPr lang="en-US" sz="2400" dirty="0"/>
-              <a:t>Installing </a:t>
+              <a:t>Two choices for installing typed definitions files</a:t>
+            </a:r>
+          </a:p>
+          <a:p>
+            <a:pPr lvl="1"/>
+            <a:r>
+              <a:rPr lang="en-US" sz="2000" dirty="0"/>
+              <a:t>Using the </a:t>
+            </a:r>
+            <a:r>
+              <a:rPr lang="en-US" sz="2000" b="1" dirty="0" err="1"/>
+              <a:t>typings</a:t>
+            </a:r>
+            <a:r>
+              <a:rPr lang="en-US" sz="2000" dirty="0"/>
+              <a:t> utility </a:t>
+            </a:r>
+            <a:r>
+              <a:rPr lang="en-US" sz="1600" i="1" dirty="0">
+                <a:solidFill>
+                  <a:schemeClr val="accent1">
+                    <a:lumMod val="50000"/>
+                  </a:schemeClr>
+                </a:solidFill>
+              </a:rPr>
+              <a:t>(the original way)</a:t>
+            </a:r>
+            <a:endParaRPr lang="en-US" sz="2000" i="1" dirty="0">
+              <a:solidFill>
+                <a:schemeClr val="accent1">
+                  <a:lumMod val="50000"/>
+                </a:schemeClr>
+              </a:solidFill>
+            </a:endParaRPr>
+          </a:p>
+          <a:p>
+            <a:pPr lvl="1"/>
+            <a:r>
+              <a:rPr lang="en-US" sz="2000" dirty="0"/>
+              <a:t>Using the </a:t>
+            </a:r>
+            <a:r>
+              <a:rPr lang="en-US" sz="2000" b="1" dirty="0" err="1"/>
+              <a:t>npm</a:t>
+            </a:r>
+            <a:r>
+              <a:rPr lang="en-US" sz="2000" dirty="0"/>
+              <a:t> utility </a:t>
+            </a:r>
+            <a:r>
+              <a:rPr lang="en-US" sz="1600" i="1" dirty="0">
+                <a:solidFill>
+                  <a:schemeClr val="accent1">
+                    <a:lumMod val="50000"/>
+                  </a:schemeClr>
+                </a:solidFill>
+              </a:rPr>
+              <a:t>(the new and better way)</a:t>
+            </a:r>
+            <a:endParaRPr lang="en-US" sz="2000" i="1" dirty="0">
+              <a:solidFill>
+                <a:schemeClr val="accent1">
+                  <a:lumMod val="50000"/>
+                </a:schemeClr>
+              </a:solidFill>
+            </a:endParaRPr>
+          </a:p>
+          <a:p>
+            <a:endParaRPr lang="en-US" sz="2400" dirty="0"/>
+          </a:p>
+          <a:p>
+            <a:r>
+              <a:rPr lang="en-US" sz="2400" dirty="0"/>
+              <a:t>Installing typed definitions files using </a:t>
             </a:r>
             <a:r>
               <a:rPr lang="en-US" sz="2400" dirty="0" err="1"/>
@@ -3621,20 +3601,8 @@
             </a:r>
             <a:r>
               <a:rPr lang="en-US" sz="2400" dirty="0"/>
-              <a:t> support using Node Package Manage</a:t>
-            </a:r>
-          </a:p>
-          <a:p>
-            <a:pPr lvl="1"/>
-            <a:r>
-              <a:rPr lang="en-US" sz="2000" dirty="0"/>
-              <a:t>Start by installing global support for </a:t>
-            </a:r>
-            <a:r>
-              <a:rPr lang="en-US" sz="2000" dirty="0" err="1"/>
-              <a:t>typings</a:t>
-            </a:r>
-            <a:endParaRPr lang="en-US" sz="2000" dirty="0"/>
+              <a:t> utility</a:t>
+            </a:r>
           </a:p>
           <a:p>
             <a:pPr marL="679450" lvl="2" indent="0">
@@ -3682,21 +3650,6 @@
             </a:r>
           </a:p>
           <a:p>
-            <a:pPr lvl="1"/>
-            <a:r>
-              <a:rPr lang="en-US" sz="2000" dirty="0"/>
-              <a:t>Install </a:t>
-            </a:r>
-            <a:r>
-              <a:rPr lang="en-US" sz="2000" dirty="0" err="1"/>
-              <a:t>typings</a:t>
-            </a:r>
-            <a:r>
-              <a:rPr lang="en-US" sz="2000" dirty="0"/>
-              <a:t> for specific JavaScript libraries</a:t>
-            </a:r>
-          </a:p>
-          <a:p>
             <a:pPr marL="679450" lvl="2" indent="0">
               <a:buNone/>
             </a:pPr>
@@ -3720,6 +3673,65 @@
               </a:rPr>
               <a:t> install --save --global dt~d3#0.0.0+20160907005744</a:t>
             </a:r>
+          </a:p>
+          <a:p>
+            <a:endParaRPr lang="en-US" sz="2400" dirty="0"/>
+          </a:p>
+          <a:p>
+            <a:r>
+              <a:rPr lang="en-US" sz="2400" dirty="0"/>
+              <a:t>Installing typed definitions files using </a:t>
+            </a:r>
+            <a:r>
+              <a:rPr lang="en-US" sz="2400" dirty="0" err="1"/>
+              <a:t>typings</a:t>
+            </a:r>
+            <a:r>
+              <a:rPr lang="en-US" sz="2400" dirty="0"/>
+              <a:t> utility</a:t>
+            </a:r>
+          </a:p>
+          <a:p>
+            <a:pPr marL="679450" lvl="2" indent="0">
+              <a:buNone/>
+            </a:pPr>
+            <a:r>
+              <a:rPr lang="en-US" sz="1800" b="1" dirty="0" err="1">
+                <a:solidFill>
+                  <a:schemeClr val="accent1">
+                    <a:lumMod val="50000"/>
+                  </a:schemeClr>
+                </a:solidFill>
+              </a:rPr>
+              <a:t>npm</a:t>
+            </a:r>
+            <a:r>
+              <a:rPr lang="en-US" sz="1800" b="1" dirty="0">
+                <a:solidFill>
+                  <a:schemeClr val="accent1">
+                    <a:lumMod val="50000"/>
+                  </a:schemeClr>
+                </a:solidFill>
+              </a:rPr>
+              <a:t> install @types/d3@3 </a:t>
+            </a:r>
+            <a:r>
+              <a:rPr lang="en-US" sz="1800" b="1">
+                <a:solidFill>
+                  <a:schemeClr val="accent1">
+                    <a:lumMod val="50000"/>
+                  </a:schemeClr>
+                </a:solidFill>
+              </a:rPr>
+              <a:t>--save-dev</a:t>
+            </a:r>
+            <a:endParaRPr lang="en-US" sz="1800" b="1" dirty="0">
+              <a:solidFill>
+                <a:schemeClr val="accent1">
+                  <a:lumMod val="50000"/>
+                </a:schemeClr>
+              </a:solidFill>
+            </a:endParaRPr>
           </a:p>
         </p:txBody>
       </p:sp>
@@ -5448,45 +5460,6 @@
           </a:prstGeom>
         </p:spPr>
       </p:pic>
-      <mc:AlternateContent xmlns:mc="http://schemas.openxmlformats.org/markup-compatibility/2006">
-        <mc:Choice xmlns:p14="http://schemas.microsoft.com/office/powerpoint/2010/main" Requires="p14">
-          <p:contentPart p14:bwMode="auto" r:id="rId3">
-            <p14:nvContentPartPr>
-              <p14:cNvPr id="4" name="Ink 3"/>
-              <p14:cNvContentPartPr/>
-              <p14:nvPr/>
-            </p14:nvContentPartPr>
-            <p14:xfrm>
-              <a:off x="2415600" y="3246120"/>
-              <a:ext cx="739440" cy="655560"/>
-            </p14:xfrm>
-          </p:contentPart>
-        </mc:Choice>
-        <mc:Fallback>
-          <p:pic>
-            <p:nvPicPr>
-              <p:cNvPr id="4" name="Ink 3"/>
-              <p:cNvPicPr/>
-              <p:nvPr/>
-            </p:nvPicPr>
-            <p:blipFill>
-              <a:blip r:embed="rId4"/>
-              <a:stretch>
-                <a:fillRect/>
-              </a:stretch>
-            </p:blipFill>
-            <p:spPr>
-              <a:xfrm>
-                <a:off x="2406240" y="3236760"/>
-                <a:ext cx="758160" cy="674280"/>
-              </a:xfrm>
-              <a:prstGeom prst="rect">
-                <a:avLst/>
-              </a:prstGeom>
-            </p:spPr>
-          </p:pic>
-        </mc:Fallback>
-      </mc:AlternateContent>
     </p:spTree>
     <p:extLst>
       <p:ext uri="{BB962C8B-B14F-4D97-AF65-F5344CB8AC3E}">
@@ -5575,45 +5548,6 @@
           </a:extLst>
         </p:spPr>
       </p:pic>
-      <mc:AlternateContent xmlns:mc="http://schemas.openxmlformats.org/markup-compatibility/2006">
-        <mc:Choice xmlns:p14="http://schemas.microsoft.com/office/powerpoint/2010/main" Requires="p14">
-          <p:contentPart p14:bwMode="auto" r:id="rId3">
-            <p14:nvContentPartPr>
-              <p14:cNvPr id="4" name="Ink 3"/>
-              <p14:cNvContentPartPr/>
-              <p14:nvPr/>
-            </p14:nvContentPartPr>
-            <p14:xfrm>
-              <a:off x="571680" y="1752480"/>
-              <a:ext cx="2552760" cy="1532160"/>
-            </p14:xfrm>
-          </p:contentPart>
-        </mc:Choice>
-        <mc:Fallback>
-          <p:pic>
-            <p:nvPicPr>
-              <p:cNvPr id="4" name="Ink 3"/>
-              <p:cNvPicPr/>
-              <p:nvPr/>
-            </p:nvPicPr>
-            <p:blipFill>
-              <a:blip r:embed="rId4"/>
-              <a:stretch>
-                <a:fillRect/>
-              </a:stretch>
-            </p:blipFill>
-            <p:spPr>
-              <a:xfrm>
-                <a:off x="562320" y="1743120"/>
-                <a:ext cx="2571480" cy="1550880"/>
-              </a:xfrm>
-              <a:prstGeom prst="rect">
-                <a:avLst/>
-              </a:prstGeom>
-            </p:spPr>
-          </p:pic>
-        </mc:Fallback>
-      </mc:AlternateContent>
     </p:spTree>
     <p:extLst>
       <p:ext uri="{BB962C8B-B14F-4D97-AF65-F5344CB8AC3E}">
@@ -5720,45 +5654,6 @@
           </a:extLst>
         </p:spPr>
       </p:pic>
-      <mc:AlternateContent xmlns:mc="http://schemas.openxmlformats.org/markup-compatibility/2006">
-        <mc:Choice xmlns:p14="http://schemas.microsoft.com/office/powerpoint/2010/main" Requires="p14">
-          <p:contentPart p14:bwMode="auto" r:id="rId3">
-            <p14:nvContentPartPr>
-              <p14:cNvPr id="2" name="Ink 1"/>
-              <p14:cNvContentPartPr/>
-              <p14:nvPr/>
-            </p14:nvContentPartPr>
-            <p14:xfrm>
-              <a:off x="2796480" y="2575440"/>
-              <a:ext cx="360" cy="360"/>
-            </p14:xfrm>
-          </p:contentPart>
-        </mc:Choice>
-        <mc:Fallback>
-          <p:pic>
-            <p:nvPicPr>
-              <p:cNvPr id="2" name="Ink 1"/>
-              <p:cNvPicPr/>
-              <p:nvPr/>
-            </p:nvPicPr>
-            <p:blipFill>
-              <a:blip r:embed="rId4"/>
-              <a:stretch>
-                <a:fillRect/>
-              </a:stretch>
-            </p:blipFill>
-            <p:spPr>
-              <a:xfrm>
-                <a:off x="2787120" y="2566080"/>
-                <a:ext cx="19080" cy="19080"/>
-              </a:xfrm>
-              <a:prstGeom prst="rect">
-                <a:avLst/>
-              </a:prstGeom>
-            </p:spPr>
-          </p:pic>
-        </mc:Fallback>
-      </mc:AlternateContent>
     </p:spTree>
     <p:extLst>
       <p:ext uri="{BB962C8B-B14F-4D97-AF65-F5344CB8AC3E}">
@@ -7059,135 +6954,6 @@
 </file>
 
 <file path=customXml/item1.xml><?xml version="1.0" encoding="utf-8"?>
-<p:properties xmlns:p="http://schemas.microsoft.com/office/2006/metadata/properties" xmlns:xsi="http://www.w3.org/2001/XMLSchema-instance">
-  <documentManagement/>
-</p:properties>
-</file>
-
-<file path=customXml/item2.xml><?xml version="1.0" encoding="utf-8"?>
-<?mso-contentType ?>
-<FormTemplates xmlns="http://schemas.microsoft.com/sharepoint/v3/contenttype/forms">
-  <Display>DocumentLibraryForm</Display>
-  <Edit>DocumentLibraryForm</Edit>
-  <New>DocumentLibraryForm</New>
-</FormTemplates>
-</file>
-
-<file path=customXml/item3.xml><?xml version="1.0" encoding="utf-8"?>
-<ct:contentTypeSchema xmlns:ct="http://schemas.microsoft.com/office/2006/metadata/contentType" xmlns:ma="http://schemas.microsoft.com/office/2006/metadata/properties/metaAttributes" ct:_="" ma:_="" ma:contentTypeName="Document" ma:contentTypeID="0x01010043F7775CCE86F349BB7C51FB3CE6B150" ma:contentTypeVersion="0" ma:contentTypeDescription="Create a new document." ma:contentTypeScope="" ma:versionID="bb563817a2861b6b5994bd26a2ba9e40">
-  <xsd:schema xmlns:xsd="http://www.w3.org/2001/XMLSchema" xmlns:xs="http://www.w3.org/2001/XMLSchema" xmlns:p="http://schemas.microsoft.com/office/2006/metadata/properties" targetNamespace="http://schemas.microsoft.com/office/2006/metadata/properties" ma:root="true" ma:fieldsID="c64490b4aec6201516c3a874156f37b2">
-    <xsd:element name="properties">
-      <xsd:complexType>
-        <xsd:sequence>
-          <xsd:element name="documentManagement">
-            <xsd:complexType>
-              <xsd:all/>
-            </xsd:complexType>
-          </xsd:element>
-        </xsd:sequence>
-      </xsd:complexType>
-    </xsd:element>
-  </xsd:schema>
-  <xsd:schema xmlns="http://schemas.openxmlformats.org/package/2006/metadata/core-properties" xmlns:xsd="http://www.w3.org/2001/XMLSchema" xmlns:xsi="http://www.w3.org/2001/XMLSchema-instance" xmlns:dc="http://purl.org/dc/elements/1.1/" xmlns:dcterms="http://purl.org/dc/terms/" xmlns:odoc="http://schemas.microsoft.com/internal/obd" targetNamespace="http://schemas.openxmlformats.org/package/2006/metadata/core-properties" elementFormDefault="qualified" attributeFormDefault="unqualified" blockDefault="#all">
-    <xsd:import namespace="http://purl.org/dc/elements/1.1/" schemaLocation="http://dublincore.org/schemas/xmls/qdc/2003/04/02/dc.xsd"/>
-    <xsd:import namespace="http://purl.org/dc/terms/" schemaLocation="http://dublincore.org/schemas/xmls/qdc/2003/04/02/dcterms.xsd"/>
-    <xsd:element name="coreProperties" type="CT_coreProperties"/>
-    <xsd:complexType name="CT_coreProperties">
-      <xsd:all>
-        <xsd:element ref="dc:creator" minOccurs="0" maxOccurs="1"/>
-        <xsd:element ref="dcterms:created" minOccurs="0" maxOccurs="1"/>
-        <xsd:element ref="dc:identifier" minOccurs="0" maxOccurs="1"/>
-        <xsd:element name="contentType" minOccurs="0" maxOccurs="1" type="xsd:string" ma:index="0" ma:displayName="Content Type"/>
-        <xsd:element ref="dc:title" minOccurs="0" maxOccurs="1" ma:index="4" ma:displayName="Title"/>
-        <xsd:element ref="dc:subject" minOccurs="0" maxOccurs="1"/>
-        <xsd:element ref="dc:description" minOccurs="0" maxOccurs="1"/>
-        <xsd:element name="keywords" minOccurs="0" maxOccurs="1" type="xsd:string"/>
-        <xsd:element ref="dc:language" minOccurs="0" maxOccurs="1"/>
-        <xsd:element name="category" minOccurs="0" maxOccurs="1" type="xsd:string"/>
-        <xsd:element name="version" minOccurs="0" maxOccurs="1" type="xsd:string"/>
-        <xsd:element name="revision" minOccurs="0" maxOccurs="1" type="xsd:string">
-          <xsd:annotation>
-            <xsd:documentation>
-                        This value indicates the number of saves or revisions. The application is responsible for updating this value after each revision.
-                    </xsd:documentation>
-          </xsd:annotation>
-        </xsd:element>
-        <xsd:element name="lastModifiedBy" minOccurs="0" maxOccurs="1" type="xsd:string"/>
-        <xsd:element ref="dcterms:modified" minOccurs="0" maxOccurs="1"/>
-        <xsd:element name="contentStatus" minOccurs="0" maxOccurs="1" type="xsd:string"/>
-      </xsd:all>
-    </xsd:complexType>
-  </xsd:schema>
-  <xs:schema xmlns:pc="http://schemas.microsoft.com/office/infopath/2007/PartnerControls" xmlns:xs="http://www.w3.org/2001/XMLSchema" targetNamespace="http://schemas.microsoft.com/office/infopath/2007/PartnerControls" elementFormDefault="qualified" attributeFormDefault="unqualified">
-    <xs:element name="Person">
-      <xs:complexType>
-        <xs:sequence>
-          <xs:element ref="pc:DisplayName" minOccurs="0"/>
-          <xs:element ref="pc:AccountId" minOccurs="0"/>
-          <xs:element ref="pc:AccountType" minOccurs="0"/>
-        </xs:sequence>
-      </xs:complexType>
-    </xs:element>
-    <xs:element name="DisplayName" type="xs:string"/>
-    <xs:element name="AccountId" type="xs:string"/>
-    <xs:element name="AccountType" type="xs:string"/>
-    <xs:element name="BDCAssociatedEntity">
-      <xs:complexType>
-        <xs:sequence>
-          <xs:element ref="pc:BDCEntity" minOccurs="0" maxOccurs="unbounded"/>
-        </xs:sequence>
-        <xs:attribute ref="pc:EntityNamespace"/>
-        <xs:attribute ref="pc:EntityName"/>
-        <xs:attribute ref="pc:SystemInstanceName"/>
-        <xs:attribute ref="pc:AssociationName"/>
-      </xs:complexType>
-    </xs:element>
-    <xs:attribute name="EntityNamespace" type="xs:string"/>
-    <xs:attribute name="EntityName" type="xs:string"/>
-    <xs:attribute name="SystemInstanceName" type="xs:string"/>
-    <xs:attribute name="AssociationName" type="xs:string"/>
-    <xs:element name="BDCEntity">
-      <xs:complexType>
-        <xs:sequence>
-          <xs:element ref="pc:EntityDisplayName" minOccurs="0"/>
-          <xs:element ref="pc:EntityInstanceReference" minOccurs="0"/>
-          <xs:element ref="pc:EntityId1" minOccurs="0"/>
-          <xs:element ref="pc:EntityId2" minOccurs="0"/>
-          <xs:element ref="pc:EntityId3" minOccurs="0"/>
-          <xs:element ref="pc:EntityId4" minOccurs="0"/>
-          <xs:element ref="pc:EntityId5" minOccurs="0"/>
-        </xs:sequence>
-      </xs:complexType>
-    </xs:element>
-    <xs:element name="EntityDisplayName" type="xs:string"/>
-    <xs:element name="EntityInstanceReference" type="xs:string"/>
-    <xs:element name="EntityId1" type="xs:string"/>
-    <xs:element name="EntityId2" type="xs:string"/>
-    <xs:element name="EntityId3" type="xs:string"/>
-    <xs:element name="EntityId4" type="xs:string"/>
-    <xs:element name="EntityId5" type="xs:string"/>
-    <xs:element name="Terms">
-      <xs:complexType>
-        <xs:sequence>
-          <xs:element ref="pc:TermInfo" minOccurs="0" maxOccurs="unbounded"/>
-        </xs:sequence>
-      </xs:complexType>
-    </xs:element>
-    <xs:element name="TermInfo">
-      <xs:complexType>
-        <xs:sequence>
-          <xs:element ref="pc:TermName" minOccurs="0"/>
-          <xs:element ref="pc:TermId" minOccurs="0"/>
-        </xs:sequence>
-      </xs:complexType>
-    </xs:element>
-    <xs:element name="TermName" type="xs:string"/>
-    <xs:element name="TermId" type="xs:string"/>
-  </xs:schema>
-</ct:contentTypeSchema>
-</file>
-
-<file path=customXml/item4.xml><?xml version="1.0" encoding="utf-8"?>
 <outs:outSpaceData xmlns:outs="http://schemas.microsoft.com/office/2009/outspace/metadata">
   <outs:relatedDates>
     <outs:relatedDate>
@@ -7337,30 +7103,144 @@
 </outs:outSpaceData>
 </file>
 
+<file path=customXml/item2.xml><?xml version="1.0" encoding="utf-8"?>
+<ct:contentTypeSchema xmlns:ct="http://schemas.microsoft.com/office/2006/metadata/contentType" xmlns:ma="http://schemas.microsoft.com/office/2006/metadata/properties/metaAttributes" ct:_="" ma:_="" ma:contentTypeName="Document" ma:contentTypeID="0x01010043F7775CCE86F349BB7C51FB3CE6B150" ma:contentTypeVersion="0" ma:contentTypeDescription="Create a new document." ma:contentTypeScope="" ma:versionID="bb563817a2861b6b5994bd26a2ba9e40">
+  <xsd:schema xmlns:xsd="http://www.w3.org/2001/XMLSchema" xmlns:xs="http://www.w3.org/2001/XMLSchema" xmlns:p="http://schemas.microsoft.com/office/2006/metadata/properties" targetNamespace="http://schemas.microsoft.com/office/2006/metadata/properties" ma:root="true" ma:fieldsID="c64490b4aec6201516c3a874156f37b2">
+    <xsd:element name="properties">
+      <xsd:complexType>
+        <xsd:sequence>
+          <xsd:element name="documentManagement">
+            <xsd:complexType>
+              <xsd:all/>
+            </xsd:complexType>
+          </xsd:element>
+        </xsd:sequence>
+      </xsd:complexType>
+    </xsd:element>
+  </xsd:schema>
+  <xsd:schema xmlns="http://schemas.openxmlformats.org/package/2006/metadata/core-properties" xmlns:xsd="http://www.w3.org/2001/XMLSchema" xmlns:xsi="http://www.w3.org/2001/XMLSchema-instance" xmlns:dc="http://purl.org/dc/elements/1.1/" xmlns:dcterms="http://purl.org/dc/terms/" xmlns:odoc="http://schemas.microsoft.com/internal/obd" targetNamespace="http://schemas.openxmlformats.org/package/2006/metadata/core-properties" elementFormDefault="qualified" attributeFormDefault="unqualified" blockDefault="#all">
+    <xsd:import namespace="http://purl.org/dc/elements/1.1/" schemaLocation="http://dublincore.org/schemas/xmls/qdc/2003/04/02/dc.xsd"/>
+    <xsd:import namespace="http://purl.org/dc/terms/" schemaLocation="http://dublincore.org/schemas/xmls/qdc/2003/04/02/dcterms.xsd"/>
+    <xsd:element name="coreProperties" type="CT_coreProperties"/>
+    <xsd:complexType name="CT_coreProperties">
+      <xsd:all>
+        <xsd:element ref="dc:creator" minOccurs="0" maxOccurs="1"/>
+        <xsd:element ref="dcterms:created" minOccurs="0" maxOccurs="1"/>
+        <xsd:element ref="dc:identifier" minOccurs="0" maxOccurs="1"/>
+        <xsd:element name="contentType" minOccurs="0" maxOccurs="1" type="xsd:string" ma:index="0" ma:displayName="Content Type"/>
+        <xsd:element ref="dc:title" minOccurs="0" maxOccurs="1" ma:index="4" ma:displayName="Title"/>
+        <xsd:element ref="dc:subject" minOccurs="0" maxOccurs="1"/>
+        <xsd:element ref="dc:description" minOccurs="0" maxOccurs="1"/>
+        <xsd:element name="keywords" minOccurs="0" maxOccurs="1" type="xsd:string"/>
+        <xsd:element ref="dc:language" minOccurs="0" maxOccurs="1"/>
+        <xsd:element name="category" minOccurs="0" maxOccurs="1" type="xsd:string"/>
+        <xsd:element name="version" minOccurs="0" maxOccurs="1" type="xsd:string"/>
+        <xsd:element name="revision" minOccurs="0" maxOccurs="1" type="xsd:string">
+          <xsd:annotation>
+            <xsd:documentation>
+                        This value indicates the number of saves or revisions. The application is responsible for updating this value after each revision.
+                    </xsd:documentation>
+          </xsd:annotation>
+        </xsd:element>
+        <xsd:element name="lastModifiedBy" minOccurs="0" maxOccurs="1" type="xsd:string"/>
+        <xsd:element ref="dcterms:modified" minOccurs="0" maxOccurs="1"/>
+        <xsd:element name="contentStatus" minOccurs="0" maxOccurs="1" type="xsd:string"/>
+      </xsd:all>
+    </xsd:complexType>
+  </xsd:schema>
+  <xs:schema xmlns:pc="http://schemas.microsoft.com/office/infopath/2007/PartnerControls" xmlns:xs="http://www.w3.org/2001/XMLSchema" targetNamespace="http://schemas.microsoft.com/office/infopath/2007/PartnerControls" elementFormDefault="qualified" attributeFormDefault="unqualified">
+    <xs:element name="Person">
+      <xs:complexType>
+        <xs:sequence>
+          <xs:element ref="pc:DisplayName" minOccurs="0"/>
+          <xs:element ref="pc:AccountId" minOccurs="0"/>
+          <xs:element ref="pc:AccountType" minOccurs="0"/>
+        </xs:sequence>
+      </xs:complexType>
+    </xs:element>
+    <xs:element name="DisplayName" type="xs:string"/>
+    <xs:element name="AccountId" type="xs:string"/>
+    <xs:element name="AccountType" type="xs:string"/>
+    <xs:element name="BDCAssociatedEntity">
+      <xs:complexType>
+        <xs:sequence>
+          <xs:element ref="pc:BDCEntity" minOccurs="0" maxOccurs="unbounded"/>
+        </xs:sequence>
+        <xs:attribute ref="pc:EntityNamespace"/>
+        <xs:attribute ref="pc:EntityName"/>
+        <xs:attribute ref="pc:SystemInstanceName"/>
+        <xs:attribute ref="pc:AssociationName"/>
+      </xs:complexType>
+    </xs:element>
+    <xs:attribute name="EntityNamespace" type="xs:string"/>
+    <xs:attribute name="EntityName" type="xs:string"/>
+    <xs:attribute name="SystemInstanceName" type="xs:string"/>
+    <xs:attribute name="AssociationName" type="xs:string"/>
+    <xs:element name="BDCEntity">
+      <xs:complexType>
+        <xs:sequence>
+          <xs:element ref="pc:EntityDisplayName" minOccurs="0"/>
+          <xs:element ref="pc:EntityInstanceReference" minOccurs="0"/>
+          <xs:element ref="pc:EntityId1" minOccurs="0"/>
+          <xs:element ref="pc:EntityId2" minOccurs="0"/>
+          <xs:element ref="pc:EntityId3" minOccurs="0"/>
+          <xs:element ref="pc:EntityId4" minOccurs="0"/>
+          <xs:element ref="pc:EntityId5" minOccurs="0"/>
+        </xs:sequence>
+      </xs:complexType>
+    </xs:element>
+    <xs:element name="EntityDisplayName" type="xs:string"/>
+    <xs:element name="EntityInstanceReference" type="xs:string"/>
+    <xs:element name="EntityId1" type="xs:string"/>
+    <xs:element name="EntityId2" type="xs:string"/>
+    <xs:element name="EntityId3" type="xs:string"/>
+    <xs:element name="EntityId4" type="xs:string"/>
+    <xs:element name="EntityId5" type="xs:string"/>
+    <xs:element name="Terms">
+      <xs:complexType>
+        <xs:sequence>
+          <xs:element ref="pc:TermInfo" minOccurs="0" maxOccurs="unbounded"/>
+        </xs:sequence>
+      </xs:complexType>
+    </xs:element>
+    <xs:element name="TermInfo">
+      <xs:complexType>
+        <xs:sequence>
+          <xs:element ref="pc:TermName" minOccurs="0"/>
+          <xs:element ref="pc:TermId" minOccurs="0"/>
+        </xs:sequence>
+      </xs:complexType>
+    </xs:element>
+    <xs:element name="TermName" type="xs:string"/>
+    <xs:element name="TermId" type="xs:string"/>
+  </xs:schema>
+</ct:contentTypeSchema>
+</file>
+
+<file path=customXml/item3.xml><?xml version="1.0" encoding="utf-8"?>
+<?mso-contentType ?>
+<FormTemplates xmlns="http://schemas.microsoft.com/sharepoint/v3/contenttype/forms">
+  <Display>DocumentLibraryForm</Display>
+  <Edit>DocumentLibraryForm</Edit>
+  <New>DocumentLibraryForm</New>
+</FormTemplates>
+</file>
+
+<file path=customXml/item4.xml><?xml version="1.0" encoding="utf-8"?>
+<p:properties xmlns:p="http://schemas.microsoft.com/office/2006/metadata/properties" xmlns:xsi="http://www.w3.org/2001/XMLSchema-instance">
+  <documentManagement/>
+</p:properties>
+</file>
+
 <file path=customXml/itemProps1.xml><?xml version="1.0" encoding="utf-8"?>
-<ds:datastoreItem xmlns:ds="http://schemas.openxmlformats.org/officeDocument/2006/customXml" ds:itemID="{A5547237-B119-45CA-BEFC-A2DA2BDB03E7}">
+<ds:datastoreItem xmlns:ds="http://schemas.openxmlformats.org/officeDocument/2006/customXml" ds:itemID="{8865FC99-B6BD-4E98-8312-F4F432C217EA}">
   <ds:schemaRefs>
-    <ds:schemaRef ds:uri="http://purl.org/dc/terms/"/>
-    <ds:schemaRef ds:uri="http://purl.org/dc/elements/1.1/"/>
-    <ds:schemaRef ds:uri="http://schemas.microsoft.com/office/infopath/2007/PartnerControls"/>
-    <ds:schemaRef ds:uri="http://schemas.microsoft.com/office/2006/documentManagement/types"/>
-    <ds:schemaRef ds:uri="http://schemas.microsoft.com/office/2006/metadata/properties"/>
-    <ds:schemaRef ds:uri="http://www.w3.org/XML/1998/namespace"/>
-    <ds:schemaRef ds:uri="http://schemas.openxmlformats.org/package/2006/metadata/core-properties"/>
-    <ds:schemaRef ds:uri="http://purl.org/dc/dcmitype/"/>
+    <ds:schemaRef ds:uri="http://schemas.microsoft.com/office/2009/outspace/metadata"/>
   </ds:schemaRefs>
 </ds:datastoreItem>
 </file>
 
 <file path=customXml/itemProps2.xml><?xml version="1.0" encoding="utf-8"?>
-<ds:datastoreItem xmlns:ds="http://schemas.openxmlformats.org/officeDocument/2006/customXml" ds:itemID="{6034B84F-8F8E-48B7-9EFF-C7DE1A66BD73}">
-  <ds:schemaRefs>
-    <ds:schemaRef ds:uri="http://schemas.microsoft.com/sharepoint/v3/contenttype/forms"/>
-  </ds:schemaRefs>
-</ds:datastoreItem>
-</file>
-
-<file path=customXml/itemProps3.xml><?xml version="1.0" encoding="utf-8"?>
 <ds:datastoreItem xmlns:ds="http://schemas.openxmlformats.org/officeDocument/2006/customXml" ds:itemID="{63F8C001-70B3-4AE4-BEC2-202AE4E30C7A}">
   <ds:schemaRefs>
     <ds:schemaRef ds:uri="http://schemas.microsoft.com/office/2006/metadata/contentType"/>
@@ -7376,10 +7256,25 @@
 </ds:datastoreItem>
 </file>
 
+<file path=customXml/itemProps3.xml><?xml version="1.0" encoding="utf-8"?>
+<ds:datastoreItem xmlns:ds="http://schemas.openxmlformats.org/officeDocument/2006/customXml" ds:itemID="{6034B84F-8F8E-48B7-9EFF-C7DE1A66BD73}">
+  <ds:schemaRefs>
+    <ds:schemaRef ds:uri="http://schemas.microsoft.com/sharepoint/v3/contenttype/forms"/>
+  </ds:schemaRefs>
+</ds:datastoreItem>
+</file>
+
 <file path=customXml/itemProps4.xml><?xml version="1.0" encoding="utf-8"?>
-<ds:datastoreItem xmlns:ds="http://schemas.openxmlformats.org/officeDocument/2006/customXml" ds:itemID="{8865FC99-B6BD-4E98-8312-F4F432C217EA}">
+<ds:datastoreItem xmlns:ds="http://schemas.openxmlformats.org/officeDocument/2006/customXml" ds:itemID="{A5547237-B119-45CA-BEFC-A2DA2BDB03E7}">
   <ds:schemaRefs>
-    <ds:schemaRef ds:uri="http://schemas.microsoft.com/office/2009/outspace/metadata"/>
+    <ds:schemaRef ds:uri="http://www.w3.org/XML/1998/namespace"/>
+    <ds:schemaRef ds:uri="http://schemas.microsoft.com/office/2006/documentManagement/types"/>
+    <ds:schemaRef ds:uri="http://purl.org/dc/dcmitype/"/>
+    <ds:schemaRef ds:uri="http://purl.org/dc/terms/"/>
+    <ds:schemaRef ds:uri="http://schemas.openxmlformats.org/package/2006/metadata/core-properties"/>
+    <ds:schemaRef ds:uri="http://schemas.microsoft.com/office/infopath/2007/PartnerControls"/>
+    <ds:schemaRef ds:uri="http://schemas.microsoft.com/office/2006/metadata/properties"/>
+    <ds:schemaRef ds:uri="http://purl.org/dc/elements/1.1/"/>
   </ds:schemaRefs>
 </ds:datastoreItem>
 </file>